--- a/doc/Framework-Introduction.pptx
+++ b/doc/Framework-Introduction.pptx
@@ -5,7 +5,7 @@
     <p:sldMasterId id="2147483648" r:id="rId1"/>
   </p:sldMasterIdLst>
   <p:notesMasterIdLst>
-    <p:notesMasterId r:id="rId11"/>
+    <p:notesMasterId r:id="rId14"/>
   </p:notesMasterIdLst>
   <p:sldIdLst>
     <p:sldId id="256" r:id="rId2"/>
@@ -17,6 +17,9 @@
     <p:sldId id="262" r:id="rId8"/>
     <p:sldId id="263" r:id="rId9"/>
     <p:sldId id="264" r:id="rId10"/>
+    <p:sldId id="265" r:id="rId11"/>
+    <p:sldId id="266" r:id="rId12"/>
+    <p:sldId id="267" r:id="rId13"/>
   </p:sldIdLst>
   <p:sldSz cx="12192000" cy="6858000"/>
   <p:notesSz cx="6858000" cy="9144000"/>
@@ -129,6 +132,9 @@
             <p14:sldId id="262"/>
             <p14:sldId id="263"/>
             <p14:sldId id="264"/>
+            <p14:sldId id="265"/>
+            <p14:sldId id="266"/>
+            <p14:sldId id="267"/>
           </p14:sldIdLst>
         </p14:section>
       </p14:sectionLst>
@@ -4088,6 +4094,529 @@
 </p:sld>
 </file>
 
+<file path=ppt/slides/slide10.xml><?xml version="1.0" encoding="utf-8"?>
+<p:sld xmlns:a="http://schemas.openxmlformats.org/drawingml/2006/main" xmlns:r="http://schemas.openxmlformats.org/officeDocument/2006/relationships" xmlns:p="http://schemas.openxmlformats.org/presentationml/2006/main">
+  <p:cSld>
+    <p:spTree>
+      <p:nvGrpSpPr>
+        <p:cNvPr id="1" name=""/>
+        <p:cNvGrpSpPr/>
+        <p:nvPr/>
+      </p:nvGrpSpPr>
+      <p:grpSpPr>
+        <a:xfrm>
+          <a:off x="0" y="0"/>
+          <a:ext cx="0" cy="0"/>
+          <a:chOff x="0" y="0"/>
+          <a:chExt cx="0" cy="0"/>
+        </a:xfrm>
+      </p:grpSpPr>
+      <p:sp>
+        <p:nvSpPr>
+          <p:cNvPr id="2" name="Title 1"/>
+          <p:cNvSpPr>
+            <a:spLocks noGrp="1"/>
+          </p:cNvSpPr>
+          <p:nvPr>
+            <p:ph type="title"/>
+          </p:nvPr>
+        </p:nvSpPr>
+        <p:spPr/>
+        <p:txBody>
+          <a:bodyPr/>
+          <a:lstStyle/>
+          <a:p>
+            <a:r>
+              <a:rPr lang="zh-CN" altLang="en-US" dirty="0" smtClean="0"/>
+              <a:t>一些原则</a:t>
+            </a:r>
+            <a:endParaRPr lang="en-US" dirty="0"/>
+          </a:p>
+        </p:txBody>
+      </p:sp>
+      <p:sp>
+        <p:nvSpPr>
+          <p:cNvPr id="3" name="Content Placeholder 2"/>
+          <p:cNvSpPr>
+            <a:spLocks noGrp="1"/>
+          </p:cNvSpPr>
+          <p:nvPr>
+            <p:ph idx="1"/>
+          </p:nvPr>
+        </p:nvSpPr>
+        <p:spPr/>
+        <p:txBody>
+          <a:bodyPr/>
+          <a:lstStyle/>
+          <a:p>
+            <a:r>
+              <a:rPr lang="en-US" altLang="zh-CN" dirty="0"/>
+              <a:t>Page</a:t>
+            </a:r>
+            <a:r>
+              <a:rPr lang="zh-CN" altLang="en-US" dirty="0"/>
+              <a:t>类的构造函数用</a:t>
+            </a:r>
+            <a:r>
+              <a:rPr lang="en-US" altLang="zh-CN" dirty="0"/>
+              <a:t>Verify</a:t>
+            </a:r>
+            <a:r>
+              <a:rPr lang="zh-CN" altLang="en-US" dirty="0" smtClean="0"/>
+              <a:t>代替</a:t>
+            </a:r>
+          </a:p>
+          <a:p>
+            <a:endParaRPr lang="zh-CN" altLang="en-US" dirty="0"/>
+          </a:p>
+          <a:p>
+            <a:r>
+              <a:rPr lang="en-US" altLang="zh-CN" dirty="0"/>
+              <a:t>Page</a:t>
+            </a:r>
+            <a:r>
+              <a:rPr lang="zh-CN" altLang="en-US" dirty="0"/>
+              <a:t>类的构造函数用</a:t>
+            </a:r>
+            <a:r>
+              <a:rPr lang="en-US" altLang="zh-CN" dirty="0" err="1"/>
+              <a:t>findElementByID</a:t>
+            </a:r>
+            <a:r>
+              <a:rPr lang="zh-CN" altLang="en-US" dirty="0"/>
+              <a:t>等函数能过检查页面关键元素来判断当前页面是不否为期望的</a:t>
+            </a:r>
+            <a:r>
+              <a:rPr lang="en-US" altLang="zh-CN" dirty="0" smtClean="0"/>
+              <a:t>Page</a:t>
+            </a:r>
+            <a:endParaRPr lang="zh-CN" altLang="en-US" dirty="0" smtClean="0"/>
+          </a:p>
+          <a:p>
+            <a:endParaRPr lang="zh-CN" altLang="en-US" dirty="0" smtClean="0"/>
+          </a:p>
+          <a:p>
+            <a:r>
+              <a:rPr lang="zh-CN" altLang="en-US" dirty="0" smtClean="0"/>
+              <a:t>依照</a:t>
+            </a:r>
+            <a:r>
+              <a:rPr lang="en-US" altLang="zh-CN" dirty="0"/>
+              <a:t>SRP</a:t>
+            </a:r>
+            <a:r>
+              <a:rPr lang="zh-CN" altLang="en-US" dirty="0"/>
+              <a:t>原则，</a:t>
+            </a:r>
+            <a:r>
+              <a:rPr lang="en-US" altLang="zh-CN" dirty="0"/>
+              <a:t>Page</a:t>
+            </a:r>
+            <a:r>
+              <a:rPr lang="zh-CN" altLang="en-US" dirty="0"/>
+              <a:t>类内的函数 只返回当前类实例（</a:t>
+            </a:r>
+            <a:r>
+              <a:rPr lang="en-US" altLang="zh-CN" dirty="0"/>
+              <a:t>this)</a:t>
+            </a:r>
+            <a:r>
+              <a:rPr lang="zh-CN" altLang="en-US" dirty="0"/>
+              <a:t>或</a:t>
+            </a:r>
+            <a:r>
+              <a:rPr lang="en-US" altLang="zh-CN" dirty="0"/>
+              <a:t>void</a:t>
+            </a:r>
+            <a:r>
+              <a:rPr lang="zh-CN" altLang="en-US" dirty="0"/>
+              <a:t>， 不返回其它页面的对象，确保每个</a:t>
+            </a:r>
+            <a:r>
+              <a:rPr lang="en-US" altLang="zh-CN" dirty="0"/>
+              <a:t>Page</a:t>
+            </a:r>
+            <a:r>
+              <a:rPr lang="zh-CN" altLang="en-US" dirty="0"/>
+              <a:t>的单一职责且不依赖于任何其它</a:t>
+            </a:r>
+            <a:r>
+              <a:rPr lang="en-US" altLang="zh-CN" dirty="0"/>
+              <a:t>Page</a:t>
+            </a:r>
+            <a:endParaRPr lang="en-US" dirty="0"/>
+          </a:p>
+        </p:txBody>
+      </p:sp>
+    </p:spTree>
+    <p:extLst>
+      <p:ext uri="{BB962C8B-B14F-4D97-AF65-F5344CB8AC3E}">
+        <p14:creationId xmlns:p14="http://schemas.microsoft.com/office/powerpoint/2010/main" val="1696157038"/>
+      </p:ext>
+    </p:extLst>
+  </p:cSld>
+  <p:clrMapOvr>
+    <a:masterClrMapping/>
+  </p:clrMapOvr>
+</p:sld>
+</file>
+
+<file path=ppt/slides/slide11.xml><?xml version="1.0" encoding="utf-8"?>
+<p:sld xmlns:a="http://schemas.openxmlformats.org/drawingml/2006/main" xmlns:r="http://schemas.openxmlformats.org/officeDocument/2006/relationships" xmlns:p="http://schemas.openxmlformats.org/presentationml/2006/main">
+  <p:cSld>
+    <p:spTree>
+      <p:nvGrpSpPr>
+        <p:cNvPr id="1" name=""/>
+        <p:cNvGrpSpPr/>
+        <p:nvPr/>
+      </p:nvGrpSpPr>
+      <p:grpSpPr>
+        <a:xfrm>
+          <a:off x="0" y="0"/>
+          <a:ext cx="0" cy="0"/>
+          <a:chOff x="0" y="0"/>
+          <a:chExt cx="0" cy="0"/>
+        </a:xfrm>
+      </p:grpSpPr>
+      <p:sp>
+        <p:nvSpPr>
+          <p:cNvPr id="2" name="Title 1"/>
+          <p:cNvSpPr>
+            <a:spLocks noGrp="1"/>
+          </p:cNvSpPr>
+          <p:nvPr>
+            <p:ph type="title"/>
+          </p:nvPr>
+        </p:nvSpPr>
+        <p:spPr/>
+        <p:txBody>
+          <a:bodyPr/>
+          <a:lstStyle/>
+          <a:p>
+            <a:r>
+              <a:rPr lang="zh-CN" altLang="en-US" dirty="0" smtClean="0"/>
+              <a:t>测试用例集</a:t>
+            </a:r>
+            <a:endParaRPr lang="en-US" dirty="0"/>
+          </a:p>
+        </p:txBody>
+      </p:sp>
+      <p:pic>
+        <p:nvPicPr>
+          <p:cNvPr id="4" name="Content Placeholder 3"/>
+          <p:cNvPicPr>
+            <a:picLocks noGrp="1" noChangeAspect="1"/>
+          </p:cNvPicPr>
+          <p:nvPr>
+            <p:ph idx="1"/>
+          </p:nvPr>
+        </p:nvPicPr>
+        <p:blipFill>
+          <a:blip r:embed="rId2">
+            <a:extLst>
+              <a:ext uri="{28A0092B-C50C-407E-A947-70E740481C1C}">
+                <a14:useLocalDpi xmlns:a14="http://schemas.microsoft.com/office/drawing/2010/main" val="0"/>
+              </a:ext>
+            </a:extLst>
+          </a:blip>
+          <a:stretch>
+            <a:fillRect/>
+          </a:stretch>
+        </p:blipFill>
+        <p:spPr>
+          <a:xfrm>
+            <a:off x="634482" y="2620017"/>
+            <a:ext cx="6604000" cy="3746500"/>
+          </a:xfrm>
+        </p:spPr>
+      </p:pic>
+      <p:sp>
+        <p:nvSpPr>
+          <p:cNvPr id="5" name="TextBox 4"/>
+          <p:cNvSpPr txBox="1"/>
+          <p:nvPr/>
+        </p:nvSpPr>
+        <p:spPr>
+          <a:xfrm>
+            <a:off x="7557138" y="1142689"/>
+            <a:ext cx="4634862" cy="1477328"/>
+          </a:xfrm>
+          <a:prstGeom prst="rect">
+            <a:avLst/>
+          </a:prstGeom>
+          <a:noFill/>
+        </p:spPr>
+        <p:txBody>
+          <a:bodyPr wrap="square" rtlCol="0">
+            <a:spAutoFit/>
+          </a:bodyPr>
+          <a:lstStyle/>
+          <a:p>
+            <a:r>
+              <a:rPr lang="en-US" dirty="0" err="1"/>
+              <a:t>在任务的xml中有四个值需要配置</a:t>
+            </a:r>
+            <a:r>
+              <a:rPr lang="en-US" dirty="0"/>
+              <a:t> </a:t>
+            </a:r>
+            <a:endParaRPr lang="zh-CN" altLang="en-US" dirty="0" smtClean="0"/>
+          </a:p>
+          <a:p>
+            <a:pPr marL="342900" indent="-342900">
+              <a:buAutoNum type="arabicPeriod"/>
+            </a:pPr>
+            <a:r>
+              <a:rPr lang="en-US" dirty="0" smtClean="0"/>
+              <a:t>port </a:t>
+            </a:r>
+            <a:r>
+              <a:rPr lang="en-US" dirty="0"/>
+              <a:t>: </a:t>
+            </a:r>
+            <a:r>
+              <a:rPr lang="en-US" dirty="0" err="1"/>
+              <a:t>Appium</a:t>
+            </a:r>
+            <a:r>
+              <a:rPr lang="en-US" dirty="0"/>
+              <a:t> 端口 </a:t>
+            </a:r>
+            <a:endParaRPr lang="zh-CN" altLang="en-US" dirty="0" smtClean="0"/>
+          </a:p>
+          <a:p>
+            <a:pPr marL="342900" indent="-342900">
+              <a:buAutoNum type="arabicPeriod"/>
+            </a:pPr>
+            <a:r>
+              <a:rPr lang="en-US" dirty="0" err="1" smtClean="0"/>
+              <a:t>udid</a:t>
+            </a:r>
+            <a:r>
+              <a:rPr lang="en-US" dirty="0" smtClean="0"/>
+              <a:t> </a:t>
+            </a:r>
+            <a:r>
+              <a:rPr lang="en-US" dirty="0"/>
+              <a:t>: </a:t>
+            </a:r>
+            <a:r>
+              <a:rPr lang="en-US" dirty="0" err="1"/>
+              <a:t>设备ID</a:t>
+            </a:r>
+            <a:r>
+              <a:rPr lang="en-US" dirty="0"/>
+              <a:t> </a:t>
+            </a:r>
+            <a:endParaRPr lang="zh-CN" altLang="en-US" dirty="0" smtClean="0"/>
+          </a:p>
+          <a:p>
+            <a:pPr marL="342900" indent="-342900">
+              <a:buAutoNum type="arabicPeriod"/>
+            </a:pPr>
+            <a:r>
+              <a:rPr lang="en-US" dirty="0" err="1" smtClean="0"/>
+              <a:t>wdaPort</a:t>
+            </a:r>
+            <a:r>
+              <a:rPr lang="en-US" dirty="0" smtClean="0"/>
+              <a:t> </a:t>
+            </a:r>
+            <a:r>
+              <a:rPr lang="en-US" dirty="0"/>
+              <a:t>: </a:t>
+            </a:r>
+            <a:r>
+              <a:rPr lang="en-US" dirty="0" err="1"/>
+              <a:t>iOS设备运行的时的WDA</a:t>
+            </a:r>
+            <a:r>
+              <a:rPr lang="en-US" dirty="0"/>
+              <a:t> port </a:t>
+            </a:r>
+            <a:endParaRPr lang="zh-CN" altLang="en-US" dirty="0" smtClean="0"/>
+          </a:p>
+          <a:p>
+            <a:pPr marL="342900" indent="-342900">
+              <a:buAutoNum type="arabicPeriod"/>
+            </a:pPr>
+            <a:r>
+              <a:rPr lang="en-US" dirty="0" smtClean="0"/>
+              <a:t>class </a:t>
+            </a:r>
+            <a:r>
+              <a:rPr lang="en-US" dirty="0"/>
+              <a:t>: 待运行的测试类</a:t>
+            </a:r>
+            <a:endParaRPr lang="en-US" dirty="0"/>
+          </a:p>
+        </p:txBody>
+      </p:sp>
+    </p:spTree>
+    <p:extLst>
+      <p:ext uri="{BB962C8B-B14F-4D97-AF65-F5344CB8AC3E}">
+        <p14:creationId xmlns:p14="http://schemas.microsoft.com/office/powerpoint/2010/main" val="922050517"/>
+      </p:ext>
+    </p:extLst>
+  </p:cSld>
+  <p:clrMapOvr>
+    <a:masterClrMapping/>
+  </p:clrMapOvr>
+</p:sld>
+</file>
+
+<file path=ppt/slides/slide12.xml><?xml version="1.0" encoding="utf-8"?>
+<p:sld xmlns:a="http://schemas.openxmlformats.org/drawingml/2006/main" xmlns:r="http://schemas.openxmlformats.org/officeDocument/2006/relationships" xmlns:p="http://schemas.openxmlformats.org/presentationml/2006/main">
+  <p:cSld>
+    <p:spTree>
+      <p:nvGrpSpPr>
+        <p:cNvPr id="1" name=""/>
+        <p:cNvGrpSpPr/>
+        <p:nvPr/>
+      </p:nvGrpSpPr>
+      <p:grpSpPr>
+        <a:xfrm>
+          <a:off x="0" y="0"/>
+          <a:ext cx="0" cy="0"/>
+          <a:chOff x="0" y="0"/>
+          <a:chExt cx="0" cy="0"/>
+        </a:xfrm>
+      </p:grpSpPr>
+      <p:sp>
+        <p:nvSpPr>
+          <p:cNvPr id="2" name="Title 1"/>
+          <p:cNvSpPr>
+            <a:spLocks noGrp="1"/>
+          </p:cNvSpPr>
+          <p:nvPr>
+            <p:ph type="title"/>
+          </p:nvPr>
+        </p:nvSpPr>
+        <p:spPr/>
+        <p:txBody>
+          <a:bodyPr/>
+          <a:lstStyle/>
+          <a:p>
+            <a:r>
+              <a:rPr lang="zh-CN" altLang="en-US" dirty="0" smtClean="0"/>
+              <a:t>如何运行</a:t>
+            </a:r>
+            <a:endParaRPr lang="en-US" dirty="0"/>
+          </a:p>
+        </p:txBody>
+      </p:sp>
+      <p:sp>
+        <p:nvSpPr>
+          <p:cNvPr id="3" name="Content Placeholder 2"/>
+          <p:cNvSpPr>
+            <a:spLocks noGrp="1"/>
+          </p:cNvSpPr>
+          <p:nvPr>
+            <p:ph idx="1"/>
+          </p:nvPr>
+        </p:nvSpPr>
+        <p:spPr/>
+        <p:txBody>
+          <a:bodyPr/>
+          <a:lstStyle/>
+          <a:p>
+            <a:r>
+              <a:rPr lang="en-US" dirty="0"/>
+              <a:t>方式一 ： </a:t>
+            </a:r>
+            <a:r>
+              <a:rPr lang="zh-CN" altLang="en-US" dirty="0" smtClean="0"/>
+              <a:t>将</a:t>
+            </a:r>
+            <a:r>
+              <a:rPr lang="en-US" dirty="0" err="1" smtClean="0"/>
+              <a:t>工程打成</a:t>
+            </a:r>
+            <a:r>
+              <a:rPr lang="en-US" dirty="0" err="1"/>
+              <a:t>Jar包，然后运行命令</a:t>
+            </a:r>
+            <a:r>
+              <a:rPr lang="en-US" dirty="0"/>
+              <a:t> </a:t>
+            </a:r>
+            <a:endParaRPr lang="zh-CN" altLang="en-US" dirty="0" smtClean="0"/>
+          </a:p>
+          <a:p>
+            <a:pPr lvl="1"/>
+            <a:r>
+              <a:rPr lang="en-US" dirty="0" smtClean="0"/>
+              <a:t>java </a:t>
+            </a:r>
+            <a:r>
+              <a:rPr lang="en-US" dirty="0"/>
+              <a:t>-jar UIAutomation-1.0-fat-tests </a:t>
+            </a:r>
+            <a:r>
+              <a:rPr lang="zh-CN" altLang="en-US" dirty="0" smtClean="0"/>
+              <a:t>  </a:t>
+            </a:r>
+            <a:r>
+              <a:rPr lang="en-US" dirty="0" smtClean="0"/>
+              <a:t>task/demo</a:t>
+            </a:r>
+            <a:r>
+              <a:rPr lang="en-US" altLang="zh-CN" dirty="0" smtClean="0"/>
+              <a:t>-</a:t>
+            </a:r>
+            <a:r>
+              <a:rPr lang="en-US" altLang="zh-CN" dirty="0" err="1" smtClean="0"/>
+              <a:t>android</a:t>
+            </a:r>
+            <a:r>
+              <a:rPr lang="en-US" dirty="0" err="1" smtClean="0"/>
+              <a:t>.xml</a:t>
+            </a:r>
+            <a:endParaRPr lang="zh-CN" altLang="en-US" dirty="0" smtClean="0"/>
+          </a:p>
+          <a:p>
+            <a:endParaRPr lang="en-US" dirty="0"/>
+          </a:p>
+          <a:p>
+            <a:r>
+              <a:rPr lang="en-US" dirty="0"/>
+              <a:t>方式2 ： </a:t>
+            </a:r>
+            <a:r>
+              <a:rPr lang="en-US" dirty="0" err="1"/>
+              <a:t>IDEA中</a:t>
+            </a:r>
+            <a:r>
+              <a:rPr lang="en-US" dirty="0"/>
+              <a:t> </a:t>
+            </a:r>
+            <a:r>
+              <a:rPr lang="en-US" dirty="0" err="1"/>
+              <a:t>右键单击demo.xml</a:t>
+            </a:r>
+            <a:r>
+              <a:rPr lang="en-US" dirty="0"/>
+              <a:t> ,选择运行。</a:t>
+            </a:r>
+          </a:p>
+          <a:p>
+            <a:endParaRPr lang="en-US" dirty="0"/>
+          </a:p>
+        </p:txBody>
+      </p:sp>
+    </p:spTree>
+    <p:extLst>
+      <p:ext uri="{BB962C8B-B14F-4D97-AF65-F5344CB8AC3E}">
+        <p14:creationId xmlns:p14="http://schemas.microsoft.com/office/powerpoint/2010/main" val="1282863532"/>
+      </p:ext>
+    </p:extLst>
+  </p:cSld>
+  <p:clrMapOvr>
+    <a:masterClrMapping/>
+  </p:clrMapOvr>
+</p:sld>
+</file>
+
 <file path=ppt/slides/slide2.xml><?xml version="1.0" encoding="utf-8"?>
 <p:sld xmlns:a="http://schemas.openxmlformats.org/drawingml/2006/main" xmlns:r="http://schemas.openxmlformats.org/officeDocument/2006/relationships" xmlns:p="http://schemas.openxmlformats.org/presentationml/2006/main">
   <p:cSld>
@@ -4792,11 +5321,7 @@
             </a:r>
             <a:r>
               <a:rPr lang="en-US" altLang="zh-CN" dirty="0" err="1" smtClean="0"/>
-              <a:t>config.</a:t>
-            </a:r>
-            <a:r>
-              <a:rPr lang="en-US" altLang="zh-CN" dirty="0" err="1" smtClean="0"/>
-              <a:t>yml</a:t>
+              <a:t>config.yml</a:t>
             </a:r>
             <a:r>
               <a:rPr lang="zh-CN" altLang="en-US" dirty="0" smtClean="0"/>
@@ -4852,15 +5377,7 @@
             </a:r>
             <a:r>
               <a:rPr lang="zh-CN" altLang="en-US" dirty="0" smtClean="0"/>
-              <a:t>一些</a:t>
-            </a:r>
-            <a:r>
-              <a:rPr lang="zh-CN" altLang="en-US" dirty="0" smtClean="0"/>
-              <a:t>通</a:t>
-            </a:r>
-            <a:r>
-              <a:rPr lang="zh-CN" altLang="en-US" dirty="0" smtClean="0"/>
-              <a:t>用</a:t>
+              <a:t>一些通用</a:t>
             </a:r>
             <a:r>
               <a:rPr lang="zh-CN" altLang="en-US" dirty="0"/>
@@ -4927,11 +5444,7 @@
             </a:r>
             <a:r>
               <a:rPr lang="zh-CN" altLang="en-US" dirty="0" smtClean="0"/>
-              <a:t>        </a:t>
-            </a:r>
-            <a:r>
-              <a:rPr lang="zh-CN" altLang="en-US" dirty="0" smtClean="0"/>
-              <a:t>用例执行失败重试</a:t>
+              <a:t>        用例执行失败重试</a:t>
             </a:r>
             <a:endParaRPr lang="zh-CN" altLang="en-US" dirty="0"/>
           </a:p>

--- a/doc/Framework-Introduction.pptx
+++ b/doc/Framework-Introduction.pptx
@@ -5,7 +5,7 @@
     <p:sldMasterId id="2147483648" r:id="rId1"/>
   </p:sldMasterIdLst>
   <p:notesMasterIdLst>
-    <p:notesMasterId r:id="rId14"/>
+    <p:notesMasterId r:id="rId15"/>
   </p:notesMasterIdLst>
   <p:sldIdLst>
     <p:sldId id="256" r:id="rId2"/>
@@ -20,6 +20,7 @@
     <p:sldId id="265" r:id="rId11"/>
     <p:sldId id="266" r:id="rId12"/>
     <p:sldId id="267" r:id="rId13"/>
+    <p:sldId id="268" r:id="rId14"/>
   </p:sldIdLst>
   <p:sldSz cx="12192000" cy="6858000"/>
   <p:notesSz cx="6858000" cy="9144000"/>
@@ -135,6 +136,7 @@
             <p14:sldId id="265"/>
             <p14:sldId id="266"/>
             <p14:sldId id="267"/>
+            <p14:sldId id="268"/>
           </p14:sldIdLst>
         </p14:section>
       </p14:sectionLst>
@@ -4608,6 +4610,118 @@
     <p:extLst>
       <p:ext uri="{BB962C8B-B14F-4D97-AF65-F5344CB8AC3E}">
         <p14:creationId xmlns:p14="http://schemas.microsoft.com/office/powerpoint/2010/main" val="1282863532"/>
+      </p:ext>
+    </p:extLst>
+  </p:cSld>
+  <p:clrMapOvr>
+    <a:masterClrMapping/>
+  </p:clrMapOvr>
+</p:sld>
+</file>
+
+<file path=ppt/slides/slide13.xml><?xml version="1.0" encoding="utf-8"?>
+<p:sld xmlns:a="http://schemas.openxmlformats.org/drawingml/2006/main" xmlns:r="http://schemas.openxmlformats.org/officeDocument/2006/relationships" xmlns:p="http://schemas.openxmlformats.org/presentationml/2006/main">
+  <p:cSld>
+    <p:spTree>
+      <p:nvGrpSpPr>
+        <p:cNvPr id="1" name=""/>
+        <p:cNvGrpSpPr/>
+        <p:nvPr/>
+      </p:nvGrpSpPr>
+      <p:grpSpPr>
+        <a:xfrm>
+          <a:off x="0" y="0"/>
+          <a:ext cx="0" cy="0"/>
+          <a:chOff x="0" y="0"/>
+          <a:chExt cx="0" cy="0"/>
+        </a:xfrm>
+      </p:grpSpPr>
+      <p:sp>
+        <p:nvSpPr>
+          <p:cNvPr id="2" name="Title 1"/>
+          <p:cNvSpPr>
+            <a:spLocks noGrp="1"/>
+          </p:cNvSpPr>
+          <p:nvPr>
+            <p:ph type="title"/>
+          </p:nvPr>
+        </p:nvSpPr>
+        <p:spPr/>
+        <p:txBody>
+          <a:bodyPr/>
+          <a:lstStyle/>
+          <a:p>
+            <a:r>
+              <a:rPr lang="zh-CN" altLang="en-US" dirty="0" smtClean="0"/>
+              <a:t>参考文档</a:t>
+            </a:r>
+            <a:endParaRPr lang="en-US" dirty="0"/>
+          </a:p>
+        </p:txBody>
+      </p:sp>
+      <p:sp>
+        <p:nvSpPr>
+          <p:cNvPr id="3" name="Content Placeholder 2"/>
+          <p:cNvSpPr>
+            <a:spLocks noGrp="1"/>
+          </p:cNvSpPr>
+          <p:nvPr>
+            <p:ph idx="1"/>
+          </p:nvPr>
+        </p:nvSpPr>
+        <p:spPr>
+          <a:xfrm>
+            <a:off x="588818" y="2618942"/>
+            <a:ext cx="11603182" cy="4058948"/>
+          </a:xfrm>
+        </p:spPr>
+        <p:txBody>
+          <a:bodyPr/>
+          <a:lstStyle/>
+          <a:p>
+            <a:r>
+              <a:rPr lang="en-US" dirty="0"/>
+              <a:t>Page Object </a:t>
+            </a:r>
+            <a:r>
+              <a:rPr lang="en-US" dirty="0">
+                <a:hlinkClick r:id="rId2"/>
+              </a:rPr>
+              <a:t>https://</a:t>
+            </a:r>
+            <a:r>
+              <a:rPr lang="en-US" dirty="0" smtClean="0">
+                <a:hlinkClick r:id="rId2"/>
+              </a:rPr>
+              <a:t>blog.csdn.net/qq_37546891/article/details/79037299</a:t>
+            </a:r>
+            <a:endParaRPr lang="zh-CN" altLang="en-US" dirty="0" smtClean="0"/>
+          </a:p>
+          <a:p>
+            <a:endParaRPr lang="en-US" dirty="0"/>
+          </a:p>
+          <a:p>
+            <a:r>
+              <a:rPr lang="en-US" dirty="0"/>
+              <a:t>How can I configure the maven shade plugin to include test code in my jar? </a:t>
+            </a:r>
+            <a:r>
+              <a:rPr lang="en-US" dirty="0">
+                <a:hlinkClick r:id="rId3"/>
+              </a:rPr>
+              <a:t>https://code.i-harness.com/en/q/4e91ca</a:t>
+            </a:r>
+            <a:endParaRPr lang="en-US" dirty="0"/>
+          </a:p>
+          <a:p>
+            <a:endParaRPr lang="en-US" dirty="0"/>
+          </a:p>
+        </p:txBody>
+      </p:sp>
+    </p:spTree>
+    <p:extLst>
+      <p:ext uri="{BB962C8B-B14F-4D97-AF65-F5344CB8AC3E}">
+        <p14:creationId xmlns:p14="http://schemas.microsoft.com/office/powerpoint/2010/main" val="205929037"/>
       </p:ext>
     </p:extLst>
   </p:cSld>

--- a/doc/Framework-Introduction.pptx
+++ b/doc/Framework-Introduction.pptx
@@ -230,7 +230,7 @@
           <a:p>
             <a:fld id="{6D0E5B38-0333-CA45-9C3D-F14B11445EEB}" type="datetimeFigureOut">
               <a:rPr lang="en-US" smtClean="0"/>
-              <a:t>8/7/18</a:t>
+              <a:t>8/9/18</a:t>
             </a:fld>
             <a:endParaRPr lang="en-US"/>
           </a:p>
@@ -1256,7 +1256,7 @@
           <a:p>
             <a:fld id="{21766B6D-ECAF-D54D-A049-E15B83092DC7}" type="datetimeFigureOut">
               <a:rPr lang="en-US" smtClean="0"/>
-              <a:t>8/7/18</a:t>
+              <a:t>8/9/18</a:t>
             </a:fld>
             <a:endParaRPr lang="en-US"/>
           </a:p>
@@ -1426,7 +1426,7 @@
           <a:p>
             <a:fld id="{21766B6D-ECAF-D54D-A049-E15B83092DC7}" type="datetimeFigureOut">
               <a:rPr lang="en-US" smtClean="0"/>
-              <a:t>8/7/18</a:t>
+              <a:t>8/9/18</a:t>
             </a:fld>
             <a:endParaRPr lang="en-US"/>
           </a:p>
@@ -1606,7 +1606,7 @@
           <a:p>
             <a:fld id="{21766B6D-ECAF-D54D-A049-E15B83092DC7}" type="datetimeFigureOut">
               <a:rPr lang="en-US" smtClean="0"/>
-              <a:t>8/7/18</a:t>
+              <a:t>8/9/18</a:t>
             </a:fld>
             <a:endParaRPr lang="en-US"/>
           </a:p>
@@ -1776,7 +1776,7 @@
           <a:p>
             <a:fld id="{21766B6D-ECAF-D54D-A049-E15B83092DC7}" type="datetimeFigureOut">
               <a:rPr lang="en-US" smtClean="0"/>
-              <a:t>8/7/18</a:t>
+              <a:t>8/9/18</a:t>
             </a:fld>
             <a:endParaRPr lang="en-US"/>
           </a:p>
@@ -2022,7 +2022,7 @@
           <a:p>
             <a:fld id="{21766B6D-ECAF-D54D-A049-E15B83092DC7}" type="datetimeFigureOut">
               <a:rPr lang="en-US" smtClean="0"/>
-              <a:t>8/7/18</a:t>
+              <a:t>8/9/18</a:t>
             </a:fld>
             <a:endParaRPr lang="en-US"/>
           </a:p>
@@ -2254,7 +2254,7 @@
           <a:p>
             <a:fld id="{21766B6D-ECAF-D54D-A049-E15B83092DC7}" type="datetimeFigureOut">
               <a:rPr lang="en-US" smtClean="0"/>
-              <a:t>8/7/18</a:t>
+              <a:t>8/9/18</a:t>
             </a:fld>
             <a:endParaRPr lang="en-US"/>
           </a:p>
@@ -2621,7 +2621,7 @@
           <a:p>
             <a:fld id="{21766B6D-ECAF-D54D-A049-E15B83092DC7}" type="datetimeFigureOut">
               <a:rPr lang="en-US" smtClean="0"/>
-              <a:t>8/7/18</a:t>
+              <a:t>8/9/18</a:t>
             </a:fld>
             <a:endParaRPr lang="en-US"/>
           </a:p>
@@ -2739,7 +2739,7 @@
           <a:p>
             <a:fld id="{21766B6D-ECAF-D54D-A049-E15B83092DC7}" type="datetimeFigureOut">
               <a:rPr lang="en-US" smtClean="0"/>
-              <a:t>8/7/18</a:t>
+              <a:t>8/9/18</a:t>
             </a:fld>
             <a:endParaRPr lang="en-US"/>
           </a:p>
@@ -2834,7 +2834,7 @@
           <a:p>
             <a:fld id="{21766B6D-ECAF-D54D-A049-E15B83092DC7}" type="datetimeFigureOut">
               <a:rPr lang="en-US" smtClean="0"/>
-              <a:t>8/7/18</a:t>
+              <a:t>8/9/18</a:t>
             </a:fld>
             <a:endParaRPr lang="en-US"/>
           </a:p>
@@ -3111,7 +3111,7 @@
           <a:p>
             <a:fld id="{21766B6D-ECAF-D54D-A049-E15B83092DC7}" type="datetimeFigureOut">
               <a:rPr lang="en-US" smtClean="0"/>
-              <a:t>8/7/18</a:t>
+              <a:t>8/9/18</a:t>
             </a:fld>
             <a:endParaRPr lang="en-US"/>
           </a:p>
@@ -3364,7 +3364,7 @@
           <a:p>
             <a:fld id="{21766B6D-ECAF-D54D-A049-E15B83092DC7}" type="datetimeFigureOut">
               <a:rPr lang="en-US" smtClean="0"/>
-              <a:t>8/7/18</a:t>
+              <a:t>8/9/18</a:t>
             </a:fld>
             <a:endParaRPr lang="en-US"/>
           </a:p>
@@ -3577,7 +3577,7 @@
           <a:p>
             <a:fld id="{21766B6D-ECAF-D54D-A049-E15B83092DC7}" type="datetimeFigureOut">
               <a:rPr lang="en-US" smtClean="0"/>
-              <a:t>8/7/18</a:t>
+              <a:t>8/9/18</a:t>
             </a:fld>
             <a:endParaRPr lang="en-US"/>
           </a:p>
@@ -4450,7 +4450,6 @@
               <a:rPr lang="en-US" dirty="0"/>
               <a:t>: 待运行的测试类</a:t>
             </a:r>
-            <a:endParaRPr lang="en-US" dirty="0"/>
           </a:p>
         </p:txBody>
       </p:sp>
@@ -4879,9 +4878,14 @@
               <a:t>…</a:t>
             </a:r>
             <a:r>
-              <a:rPr lang="zh-CN" altLang="en-US" dirty="0" smtClean="0"/>
+              <a:rPr lang="zh-CN" altLang="en-US" smtClean="0"/>
               <a:t> </a:t>
             </a:r>
+            <a:r>
+              <a:rPr lang="zh-CN" altLang="en-US" smtClean="0"/>
+              <a:t> </a:t>
+            </a:r>
+            <a:endParaRPr lang="zh-CN" altLang="en-US" dirty="0" smtClean="0"/>
           </a:p>
         </p:txBody>
       </p:sp>

--- a/doc/Framework-Introduction.pptx
+++ b/doc/Framework-Introduction.pptx
@@ -5,7 +5,7 @@
     <p:sldMasterId id="2147483648" r:id="rId1"/>
   </p:sldMasterIdLst>
   <p:notesMasterIdLst>
-    <p:notesMasterId r:id="rId15"/>
+    <p:notesMasterId r:id="rId16"/>
   </p:notesMasterIdLst>
   <p:sldIdLst>
     <p:sldId id="256" r:id="rId2"/>
@@ -21,6 +21,7 @@
     <p:sldId id="266" r:id="rId12"/>
     <p:sldId id="267" r:id="rId13"/>
     <p:sldId id="268" r:id="rId14"/>
+    <p:sldId id="269" r:id="rId15"/>
   </p:sldIdLst>
   <p:sldSz cx="12192000" cy="6858000"/>
   <p:notesSz cx="6858000" cy="9144000"/>
@@ -137,6 +138,7 @@
             <p14:sldId id="266"/>
             <p14:sldId id="267"/>
             <p14:sldId id="268"/>
+            <p14:sldId id="269"/>
           </p14:sldIdLst>
         </p14:section>
       </p14:sectionLst>
@@ -230,7 +232,7 @@
           <a:p>
             <a:fld id="{6D0E5B38-0333-CA45-9C3D-F14B11445EEB}" type="datetimeFigureOut">
               <a:rPr lang="en-US" smtClean="0"/>
-              <a:t>8/9/18</a:t>
+              <a:t>8/28/18</a:t>
             </a:fld>
             <a:endParaRPr lang="en-US"/>
           </a:p>
@@ -1256,7 +1258,7 @@
           <a:p>
             <a:fld id="{21766B6D-ECAF-D54D-A049-E15B83092DC7}" type="datetimeFigureOut">
               <a:rPr lang="en-US" smtClean="0"/>
-              <a:t>8/9/18</a:t>
+              <a:t>8/28/18</a:t>
             </a:fld>
             <a:endParaRPr lang="en-US"/>
           </a:p>
@@ -1426,7 +1428,7 @@
           <a:p>
             <a:fld id="{21766B6D-ECAF-D54D-A049-E15B83092DC7}" type="datetimeFigureOut">
               <a:rPr lang="en-US" smtClean="0"/>
-              <a:t>8/9/18</a:t>
+              <a:t>8/28/18</a:t>
             </a:fld>
             <a:endParaRPr lang="en-US"/>
           </a:p>
@@ -1606,7 +1608,7 @@
           <a:p>
             <a:fld id="{21766B6D-ECAF-D54D-A049-E15B83092DC7}" type="datetimeFigureOut">
               <a:rPr lang="en-US" smtClean="0"/>
-              <a:t>8/9/18</a:t>
+              <a:t>8/28/18</a:t>
             </a:fld>
             <a:endParaRPr lang="en-US"/>
           </a:p>
@@ -1776,7 +1778,7 @@
           <a:p>
             <a:fld id="{21766B6D-ECAF-D54D-A049-E15B83092DC7}" type="datetimeFigureOut">
               <a:rPr lang="en-US" smtClean="0"/>
-              <a:t>8/9/18</a:t>
+              <a:t>8/28/18</a:t>
             </a:fld>
             <a:endParaRPr lang="en-US"/>
           </a:p>
@@ -2022,7 +2024,7 @@
           <a:p>
             <a:fld id="{21766B6D-ECAF-D54D-A049-E15B83092DC7}" type="datetimeFigureOut">
               <a:rPr lang="en-US" smtClean="0"/>
-              <a:t>8/9/18</a:t>
+              <a:t>8/28/18</a:t>
             </a:fld>
             <a:endParaRPr lang="en-US"/>
           </a:p>
@@ -2254,7 +2256,7 @@
           <a:p>
             <a:fld id="{21766B6D-ECAF-D54D-A049-E15B83092DC7}" type="datetimeFigureOut">
               <a:rPr lang="en-US" smtClean="0"/>
-              <a:t>8/9/18</a:t>
+              <a:t>8/28/18</a:t>
             </a:fld>
             <a:endParaRPr lang="en-US"/>
           </a:p>
@@ -2621,7 +2623,7 @@
           <a:p>
             <a:fld id="{21766B6D-ECAF-D54D-A049-E15B83092DC7}" type="datetimeFigureOut">
               <a:rPr lang="en-US" smtClean="0"/>
-              <a:t>8/9/18</a:t>
+              <a:t>8/28/18</a:t>
             </a:fld>
             <a:endParaRPr lang="en-US"/>
           </a:p>
@@ -2739,7 +2741,7 @@
           <a:p>
             <a:fld id="{21766B6D-ECAF-D54D-A049-E15B83092DC7}" type="datetimeFigureOut">
               <a:rPr lang="en-US" smtClean="0"/>
-              <a:t>8/9/18</a:t>
+              <a:t>8/28/18</a:t>
             </a:fld>
             <a:endParaRPr lang="en-US"/>
           </a:p>
@@ -2834,7 +2836,7 @@
           <a:p>
             <a:fld id="{21766B6D-ECAF-D54D-A049-E15B83092DC7}" type="datetimeFigureOut">
               <a:rPr lang="en-US" smtClean="0"/>
-              <a:t>8/9/18</a:t>
+              <a:t>8/28/18</a:t>
             </a:fld>
             <a:endParaRPr lang="en-US"/>
           </a:p>
@@ -3111,7 +3113,7 @@
           <a:p>
             <a:fld id="{21766B6D-ECAF-D54D-A049-E15B83092DC7}" type="datetimeFigureOut">
               <a:rPr lang="en-US" smtClean="0"/>
-              <a:t>8/9/18</a:t>
+              <a:t>8/28/18</a:t>
             </a:fld>
             <a:endParaRPr lang="en-US"/>
           </a:p>
@@ -3364,7 +3366,7 @@
           <a:p>
             <a:fld id="{21766B6D-ECAF-D54D-A049-E15B83092DC7}" type="datetimeFigureOut">
               <a:rPr lang="en-US" smtClean="0"/>
-              <a:t>8/9/18</a:t>
+              <a:t>8/28/18</a:t>
             </a:fld>
             <a:endParaRPr lang="en-US"/>
           </a:p>
@@ -3577,7 +3579,7 @@
           <a:p>
             <a:fld id="{21766B6D-ECAF-D54D-A049-E15B83092DC7}" type="datetimeFigureOut">
               <a:rPr lang="en-US" smtClean="0"/>
-              <a:t>8/9/18</a:t>
+              <a:t>8/28/18</a:t>
             </a:fld>
             <a:endParaRPr lang="en-US"/>
           </a:p>
@@ -4052,25 +4054,32 @@
             <p:ph type="subTitle" idx="1"/>
           </p:nvPr>
         </p:nvSpPr>
-        <p:spPr/>
-        <p:txBody>
-          <a:bodyPr/>
+        <p:spPr>
+          <a:xfrm>
+            <a:off x="7493619" y="5776332"/>
+            <a:ext cx="4300654" cy="869795"/>
+          </a:xfrm>
+        </p:spPr>
+        <p:txBody>
+          <a:bodyPr>
+            <a:normAutofit lnSpcReduction="10000"/>
+          </a:bodyPr>
           <a:lstStyle/>
           <a:p>
             <a:endParaRPr lang="zh-CN" altLang="en-US" dirty="0" smtClean="0"/>
           </a:p>
           <a:p>
             <a:r>
-              <a:rPr lang="zh-CN" altLang="en-US" dirty="0" smtClean="0"/>
-              <a:t>                                                         </a:t>
-            </a:r>
-            <a:r>
               <a:rPr lang="en-US" altLang="zh-CN" dirty="0" smtClean="0"/>
-              <a:t>---</a:t>
-            </a:r>
-            <a:r>
-              <a:rPr lang="zh-CN" altLang="en-US" dirty="0" smtClean="0"/>
-              <a:t>马毅</a:t>
+              <a:t>Justin</a:t>
+            </a:r>
+            <a:r>
+              <a:rPr lang="zh-CN" altLang="en-US" dirty="0" smtClean="0"/>
+              <a:t> </a:t>
+            </a:r>
+            <a:r>
+              <a:rPr lang="en-US" altLang="zh-CN" dirty="0" smtClean="0"/>
+              <a:t>Ma</a:t>
             </a:r>
             <a:endParaRPr lang="en-US" dirty="0"/>
           </a:p>
@@ -4730,6 +4739,89 @@
 </p:sld>
 </file>
 
+<file path=ppt/slides/slide14.xml><?xml version="1.0" encoding="utf-8"?>
+<p:sld xmlns:a="http://schemas.openxmlformats.org/drawingml/2006/main" xmlns:r="http://schemas.openxmlformats.org/officeDocument/2006/relationships" xmlns:p="http://schemas.openxmlformats.org/presentationml/2006/main">
+  <p:cSld>
+    <p:spTree>
+      <p:nvGrpSpPr>
+        <p:cNvPr id="1" name=""/>
+        <p:cNvGrpSpPr/>
+        <p:nvPr/>
+      </p:nvGrpSpPr>
+      <p:grpSpPr>
+        <a:xfrm>
+          <a:off x="0" y="0"/>
+          <a:ext cx="0" cy="0"/>
+          <a:chOff x="0" y="0"/>
+          <a:chExt cx="0" cy="0"/>
+        </a:xfrm>
+      </p:grpSpPr>
+      <p:sp>
+        <p:nvSpPr>
+          <p:cNvPr id="2" name="标题 1"/>
+          <p:cNvSpPr>
+            <a:spLocks noGrp="1"/>
+          </p:cNvSpPr>
+          <p:nvPr>
+            <p:ph type="title"/>
+          </p:nvPr>
+        </p:nvSpPr>
+        <p:spPr/>
+        <p:txBody>
+          <a:bodyPr/>
+          <a:lstStyle/>
+          <a:p>
+            <a:pPr algn="ctr"/>
+            <a:r>
+              <a:rPr kumimoji="1" lang="en-US" altLang="zh-CN" dirty="0" smtClean="0"/>
+              <a:t>QA</a:t>
+            </a:r>
+            <a:endParaRPr kumimoji="1" lang="zh-CN" altLang="en-US" dirty="0"/>
+          </a:p>
+        </p:txBody>
+      </p:sp>
+      <p:pic>
+        <p:nvPicPr>
+          <p:cNvPr id="4" name="内容占位符 3"/>
+          <p:cNvPicPr>
+            <a:picLocks noGrp="1" noChangeAspect="1"/>
+          </p:cNvPicPr>
+          <p:nvPr>
+            <p:ph idx="1"/>
+          </p:nvPr>
+        </p:nvPicPr>
+        <p:blipFill>
+          <a:blip r:embed="rId2">
+            <a:extLst>
+              <a:ext uri="{28A0092B-C50C-407E-A947-70E740481C1C}">
+                <a14:useLocalDpi xmlns:a14="http://schemas.microsoft.com/office/drawing/2010/main" val="0"/>
+              </a:ext>
+            </a:extLst>
+          </a:blip>
+          <a:stretch>
+            <a:fillRect/>
+          </a:stretch>
+        </p:blipFill>
+        <p:spPr>
+          <a:xfrm>
+            <a:off x="3920331" y="1825625"/>
+            <a:ext cx="4351338" cy="4351338"/>
+          </a:xfrm>
+        </p:spPr>
+      </p:pic>
+    </p:spTree>
+    <p:extLst>
+      <p:ext uri="{BB962C8B-B14F-4D97-AF65-F5344CB8AC3E}">
+        <p14:creationId xmlns:p14="http://schemas.microsoft.com/office/powerpoint/2010/main" val="1456440719"/>
+      </p:ext>
+    </p:extLst>
+  </p:cSld>
+  <p:clrMapOvr>
+    <a:masterClrMapping/>
+  </p:clrMapOvr>
+</p:sld>
+</file>
+
 <file path=ppt/slides/slide2.xml><?xml version="1.0" encoding="utf-8"?>
 <p:sld xmlns:a="http://schemas.openxmlformats.org/drawingml/2006/main" xmlns:r="http://schemas.openxmlformats.org/officeDocument/2006/relationships" xmlns:p="http://schemas.openxmlformats.org/presentationml/2006/main">
   <p:cSld>
@@ -4879,11 +4971,7 @@
             </a:r>
             <a:r>
               <a:rPr lang="zh-CN" altLang="en-US" smtClean="0"/>
-              <a:t> </a:t>
-            </a:r>
-            <a:r>
-              <a:rPr lang="zh-CN" altLang="en-US" smtClean="0"/>
-              <a:t> </a:t>
+              <a:t>  </a:t>
             </a:r>
             <a:endParaRPr lang="zh-CN" altLang="en-US" dirty="0" smtClean="0"/>
           </a:p>

--- a/doc/Framework-Introduction.pptx
+++ b/doc/Framework-Introduction.pptx
@@ -230,7 +230,7 @@
           <a:p>
             <a:fld id="{6D0E5B38-0333-CA45-9C3D-F14B11445EEB}" type="datetimeFigureOut">
               <a:rPr lang="en-US" smtClean="0"/>
-              <a:t>8/9/18</a:t>
+              <a:t>8/17/18</a:t>
             </a:fld>
             <a:endParaRPr lang="en-US"/>
           </a:p>
@@ -1256,7 +1256,7 @@
           <a:p>
             <a:fld id="{21766B6D-ECAF-D54D-A049-E15B83092DC7}" type="datetimeFigureOut">
               <a:rPr lang="en-US" smtClean="0"/>
-              <a:t>8/9/18</a:t>
+              <a:t>8/17/18</a:t>
             </a:fld>
             <a:endParaRPr lang="en-US"/>
           </a:p>
@@ -1426,7 +1426,7 @@
           <a:p>
             <a:fld id="{21766B6D-ECAF-D54D-A049-E15B83092DC7}" type="datetimeFigureOut">
               <a:rPr lang="en-US" smtClean="0"/>
-              <a:t>8/9/18</a:t>
+              <a:t>8/17/18</a:t>
             </a:fld>
             <a:endParaRPr lang="en-US"/>
           </a:p>
@@ -1606,7 +1606,7 @@
           <a:p>
             <a:fld id="{21766B6D-ECAF-D54D-A049-E15B83092DC7}" type="datetimeFigureOut">
               <a:rPr lang="en-US" smtClean="0"/>
-              <a:t>8/9/18</a:t>
+              <a:t>8/17/18</a:t>
             </a:fld>
             <a:endParaRPr lang="en-US"/>
           </a:p>
@@ -1776,7 +1776,7 @@
           <a:p>
             <a:fld id="{21766B6D-ECAF-D54D-A049-E15B83092DC7}" type="datetimeFigureOut">
               <a:rPr lang="en-US" smtClean="0"/>
-              <a:t>8/9/18</a:t>
+              <a:t>8/17/18</a:t>
             </a:fld>
             <a:endParaRPr lang="en-US"/>
           </a:p>
@@ -2022,7 +2022,7 @@
           <a:p>
             <a:fld id="{21766B6D-ECAF-D54D-A049-E15B83092DC7}" type="datetimeFigureOut">
               <a:rPr lang="en-US" smtClean="0"/>
-              <a:t>8/9/18</a:t>
+              <a:t>8/17/18</a:t>
             </a:fld>
             <a:endParaRPr lang="en-US"/>
           </a:p>
@@ -2254,7 +2254,7 @@
           <a:p>
             <a:fld id="{21766B6D-ECAF-D54D-A049-E15B83092DC7}" type="datetimeFigureOut">
               <a:rPr lang="en-US" smtClean="0"/>
-              <a:t>8/9/18</a:t>
+              <a:t>8/17/18</a:t>
             </a:fld>
             <a:endParaRPr lang="en-US"/>
           </a:p>
@@ -2621,7 +2621,7 @@
           <a:p>
             <a:fld id="{21766B6D-ECAF-D54D-A049-E15B83092DC7}" type="datetimeFigureOut">
               <a:rPr lang="en-US" smtClean="0"/>
-              <a:t>8/9/18</a:t>
+              <a:t>8/17/18</a:t>
             </a:fld>
             <a:endParaRPr lang="en-US"/>
           </a:p>
@@ -2739,7 +2739,7 @@
           <a:p>
             <a:fld id="{21766B6D-ECAF-D54D-A049-E15B83092DC7}" type="datetimeFigureOut">
               <a:rPr lang="en-US" smtClean="0"/>
-              <a:t>8/9/18</a:t>
+              <a:t>8/17/18</a:t>
             </a:fld>
             <a:endParaRPr lang="en-US"/>
           </a:p>
@@ -2834,7 +2834,7 @@
           <a:p>
             <a:fld id="{21766B6D-ECAF-D54D-A049-E15B83092DC7}" type="datetimeFigureOut">
               <a:rPr lang="en-US" smtClean="0"/>
-              <a:t>8/9/18</a:t>
+              <a:t>8/17/18</a:t>
             </a:fld>
             <a:endParaRPr lang="en-US"/>
           </a:p>
@@ -3111,7 +3111,7 @@
           <a:p>
             <a:fld id="{21766B6D-ECAF-D54D-A049-E15B83092DC7}" type="datetimeFigureOut">
               <a:rPr lang="en-US" smtClean="0"/>
-              <a:t>8/9/18</a:t>
+              <a:t>8/17/18</a:t>
             </a:fld>
             <a:endParaRPr lang="en-US"/>
           </a:p>
@@ -3364,7 +3364,7 @@
           <a:p>
             <a:fld id="{21766B6D-ECAF-D54D-A049-E15B83092DC7}" type="datetimeFigureOut">
               <a:rPr lang="en-US" smtClean="0"/>
-              <a:t>8/9/18</a:t>
+              <a:t>8/17/18</a:t>
             </a:fld>
             <a:endParaRPr lang="en-US"/>
           </a:p>
@@ -3577,7 +3577,7 @@
           <a:p>
             <a:fld id="{21766B6D-ECAF-D54D-A049-E15B83092DC7}" type="datetimeFigureOut">
               <a:rPr lang="en-US" smtClean="0"/>
-              <a:t>8/9/18</a:t>
+              <a:t>8/17/18</a:t>
             </a:fld>
             <a:endParaRPr lang="en-US"/>
           </a:p>
@@ -4878,14 +4878,9 @@
               <a:t>…</a:t>
             </a:r>
             <a:r>
-              <a:rPr lang="zh-CN" altLang="en-US" smtClean="0"/>
-              <a:t> </a:t>
-            </a:r>
-            <a:r>
-              <a:rPr lang="zh-CN" altLang="en-US" smtClean="0"/>
-              <a:t> </a:t>
-            </a:r>
-            <a:endParaRPr lang="zh-CN" altLang="en-US" dirty="0" smtClean="0"/>
+              <a:rPr lang="zh-CN" altLang="en-US" dirty="0" smtClean="0"/>
+              <a:t>  </a:t>
+            </a:r>
           </a:p>
         </p:txBody>
       </p:sp>
@@ -4943,7 +4938,11 @@
           <a:p>
             <a:r>
               <a:rPr lang="zh-CN" altLang="en-US" dirty="0" smtClean="0"/>
-              <a:t>设计初衷</a:t>
+              <a:t>设计</a:t>
+            </a:r>
+            <a:r>
+              <a:rPr lang="zh-CN" altLang="en-US" dirty="0" smtClean="0"/>
+              <a:t>目标</a:t>
             </a:r>
             <a:endParaRPr lang="en-US" dirty="0"/>
           </a:p>
